--- a/RaghavProject39.pptx
+++ b/RaghavProject39.pptx
@@ -223,7 +223,7 @@
           <a:p>
             <a:fld id="{46256A78-79A6-408F-8148-4F87BB81602D}" type="datetimeFigureOut">
               <a:rPr lang="en-IN" smtClean="0"/>
-              <a:t>25-07-2025</a:t>
+              <a:t>31-07-2025</a:t>
             </a:fld>
             <a:endParaRPr lang="en-IN"/>
           </a:p>
@@ -727,7 +727,7 @@
           <a:p>
             <a:fld id="{ED291B17-9318-49DB-B28B-6E5994AE9581}" type="datetime1">
               <a:rPr lang="en-US" smtClean="0"/>
-              <a:t>7/25/2025</a:t>
+              <a:t>7/31/2025</a:t>
             </a:fld>
             <a:endParaRPr lang="en-US"/>
           </a:p>
@@ -936,7 +936,7 @@
           <a:p>
             <a:fld id="{2CED4963-E985-44C4-B8C4-FDD613B7C2F8}" type="datetime1">
               <a:rPr lang="en-US" smtClean="0"/>
-              <a:t>7/25/2025</a:t>
+              <a:t>7/31/2025</a:t>
             </a:fld>
             <a:endParaRPr lang="en-US"/>
           </a:p>
@@ -1304,7 +1304,7 @@
           <a:p>
             <a:fld id="{ED291B17-9318-49DB-B28B-6E5994AE9581}" type="datetime1">
               <a:rPr lang="en-US" smtClean="0"/>
-              <a:t>7/25/2025</a:t>
+              <a:t>7/31/2025</a:t>
             </a:fld>
             <a:endParaRPr lang="en-US"/>
           </a:p>
@@ -1508,7 +1508,7 @@
           <a:p>
             <a:fld id="{78DD82B9-B8EE-4375-B6FF-88FA6ABB15D9}" type="datetime1">
               <a:rPr lang="en-US" smtClean="0"/>
-              <a:t>7/25/2025</a:t>
+              <a:t>7/31/2025</a:t>
             </a:fld>
             <a:endParaRPr lang="en-US"/>
           </a:p>
@@ -1765,7 +1765,7 @@
           <a:p>
             <a:fld id="{B2497495-0637-405E-AE64-5CC7506D51F5}" type="datetime1">
               <a:rPr lang="en-US" smtClean="0"/>
-              <a:t>7/25/2025</a:t>
+              <a:t>7/31/2025</a:t>
             </a:fld>
             <a:endParaRPr lang="en-US"/>
           </a:p>
@@ -2023,7 +2023,7 @@
           <a:p>
             <a:fld id="{7BFFD690-9426-415D-8B65-26881E07B2D4}" type="datetime1">
               <a:rPr lang="en-US" smtClean="0"/>
-              <a:t>7/25/2025</a:t>
+              <a:t>7/31/2025</a:t>
             </a:fld>
             <a:endParaRPr lang="en-US"/>
           </a:p>
@@ -2450,7 +2450,7 @@
           <a:p>
             <a:fld id="{04C4989A-474C-40DE-95B9-011C28B71673}" type="datetime1">
               <a:rPr lang="en-US" smtClean="0"/>
-              <a:t>7/25/2025</a:t>
+              <a:t>7/31/2025</a:t>
             </a:fld>
             <a:endParaRPr lang="en-US"/>
           </a:p>
@@ -2580,7 +2580,7 @@
           <a:p>
             <a:fld id="{5DB4ED54-5B5E-4A04-93D3-5772E3CE3818}" type="datetime1">
               <a:rPr lang="en-US" smtClean="0"/>
-              <a:t>7/25/2025</a:t>
+              <a:t>7/31/2025</a:t>
             </a:fld>
             <a:endParaRPr lang="en-US"/>
           </a:p>
@@ -2683,7 +2683,7 @@
           <a:p>
             <a:fld id="{4EDE50D6-574B-40AF-946F-D52A04ADE379}" type="datetime1">
               <a:rPr lang="en-US" smtClean="0"/>
-              <a:t>7/25/2025</a:t>
+              <a:t>7/31/2025</a:t>
             </a:fld>
             <a:endParaRPr lang="en-US"/>
           </a:p>
@@ -3066,7 +3066,7 @@
           <a:p>
             <a:fld id="{D82884F1-FFEA-405F-9602-3DCA865EDA4E}" type="datetime1">
               <a:rPr lang="en-US" smtClean="0"/>
-              <a:t>7/25/2025</a:t>
+              <a:t>7/31/2025</a:t>
             </a:fld>
             <a:endParaRPr lang="en-US"/>
           </a:p>
@@ -3360,7 +3360,7 @@
           <a:p>
             <a:fld id="{7E18DB4A-8810-4A10-AD5C-D5E2C667F5B3}" type="datetime1">
               <a:rPr lang="en-US" smtClean="0"/>
-              <a:t>7/25/2025</a:t>
+              <a:t>7/31/2025</a:t>
             </a:fld>
             <a:endParaRPr lang="en-US"/>
           </a:p>
@@ -3581,7 +3581,7 @@
           <a:p>
             <a:fld id="{ED291B17-9318-49DB-B28B-6E5994AE9581}" type="datetime1">
               <a:rPr lang="en-US" smtClean="0"/>
-              <a:t>7/25/2025</a:t>
+              <a:t>7/31/2025</a:t>
             </a:fld>
             <a:endParaRPr lang="en-US"/>
           </a:p>
@@ -4956,7 +4956,7 @@
         <p:spPr/>
         <p:txBody>
           <a:bodyPr>
-            <a:normAutofit/>
+            <a:normAutofit fontScale="92500"/>
           </a:bodyPr>
           <a:lstStyle/>
           <a:p>
@@ -5048,7 +5048,20 @@
               <a:rPr lang="en-US" sz="2400" dirty="0"/>
               <a:t> Foundation.</a:t>
             </a:r>
-            <a:endParaRPr lang="en-IN" sz="2400" dirty="0"/>
+          </a:p>
+          <a:p>
+            <a:pPr marL="305435" indent="-305435"/>
+            <a:r>
+              <a:rPr lang="en-US" sz="2400" dirty="0"/>
+              <a:t>My GitHub Link: </a:t>
+            </a:r>
+            <a:r>
+              <a:rPr lang="en-US" sz="2400" dirty="0">
+                <a:hlinkClick r:id="rId3"/>
+              </a:rPr>
+              <a:t>https://github.com/RAgHavj12345/Predictive-Maintenance-Project</a:t>
+            </a:r>
+            <a:endParaRPr lang="en-US" sz="2400" dirty="0"/>
           </a:p>
         </p:txBody>
       </p:sp>
@@ -7310,24 +7323,6 @@
 </file>
 
 <file path=customXml/item1.xml><?xml version="1.0" encoding="utf-8"?>
-<?mso-contentType ?>
-<FormTemplates xmlns="http://schemas.microsoft.com/sharepoint/v3/contenttype/forms">
-  <Display>DocumentLibraryForm</Display>
-  <Edit>DocumentLibraryForm</Edit>
-  <New>DocumentLibraryForm</New>
-</FormTemplates>
-</file>
-
-<file path=customXml/item2.xml><?xml version="1.0" encoding="utf-8"?>
-<p:properties xmlns:p="http://schemas.microsoft.com/office/2006/metadata/properties" xmlns:xsi="http://www.w3.org/2001/XMLSchema-instance" xmlns:pc="http://schemas.microsoft.com/office/infopath/2007/PartnerControls">
-  <documentManagement>
-    <MediaServiceKeyPoints xmlns="9162bd5b-4ed9-4da3-b376-05204580ba3f" xsi:nil="true"/>
-    <_activity xmlns="9162bd5b-4ed9-4da3-b376-05204580ba3f" xsi:nil="true"/>
-  </documentManagement>
-</p:properties>
-</file>
-
-<file path=customXml/item3.xml><?xml version="1.0" encoding="utf-8"?>
 <ct:contentTypeSchema xmlns:ct="http://schemas.microsoft.com/office/2006/metadata/contentType" xmlns:ma="http://schemas.microsoft.com/office/2006/metadata/properties/metaAttributes" ct:_="" ma:_="" ma:contentTypeName="Document" ma:contentTypeID="0x0101000F1872188ABCFC48BECA6C87E8AC3285" ma:contentTypeVersion="17" ma:contentTypeDescription="Create a new document." ma:contentTypeScope="" ma:versionID="55a158675e089c6a85ab0f83b89e1a15">
   <xsd:schema xmlns:xsd="http://www.w3.org/2001/XMLSchema" xmlns:xs="http://www.w3.org/2001/XMLSchema" xmlns:p="http://schemas.microsoft.com/office/2006/metadata/properties" xmlns:ns3="9162bd5b-4ed9-4da3-b376-05204580ba3f" xmlns:ns4="c0fa2617-96bd-425d-8578-e93563fe37c5" targetNamespace="http://schemas.microsoft.com/office/2006/metadata/properties" ma:root="true" ma:fieldsID="b35f082308864fa161c4a0a9eca35eff" ns3:_="" ns4:_="">
     <xsd:import namespace="9162bd5b-4ed9-4da3-b376-05204580ba3f"/>
@@ -7574,10 +7569,39 @@
 </ct:contentTypeSchema>
 </file>
 
+<file path=customXml/item2.xml><?xml version="1.0" encoding="utf-8"?>
+<p:properties xmlns:p="http://schemas.microsoft.com/office/2006/metadata/properties" xmlns:xsi="http://www.w3.org/2001/XMLSchema-instance" xmlns:pc="http://schemas.microsoft.com/office/infopath/2007/PartnerControls">
+  <documentManagement>
+    <MediaServiceKeyPoints xmlns="9162bd5b-4ed9-4da3-b376-05204580ba3f" xsi:nil="true"/>
+    <_activity xmlns="9162bd5b-4ed9-4da3-b376-05204580ba3f" xsi:nil="true"/>
+  </documentManagement>
+</p:properties>
+</file>
+
+<file path=customXml/item3.xml><?xml version="1.0" encoding="utf-8"?>
+<?mso-contentType ?>
+<FormTemplates xmlns="http://schemas.microsoft.com/sharepoint/v3/contenttype/forms">
+  <Display>DocumentLibraryForm</Display>
+  <Edit>DocumentLibraryForm</Edit>
+  <New>DocumentLibraryForm</New>
+</FormTemplates>
+</file>
+
 <file path=customXml/itemProps1.xml><?xml version="1.0" encoding="utf-8"?>
-<ds:datastoreItem xmlns:ds="http://schemas.openxmlformats.org/officeDocument/2006/customXml" ds:itemID="{927BD4C1-B6B1-4715-ABF9-E660A51A4EA0}">
+<ds:datastoreItem xmlns:ds="http://schemas.openxmlformats.org/officeDocument/2006/customXml" ds:itemID="{6E816721-11E4-4989-8472-AB5A7EC20404}">
   <ds:schemaRefs>
-    <ds:schemaRef ds:uri="http://schemas.microsoft.com/sharepoint/v3/contenttype/forms"/>
+    <ds:schemaRef ds:uri="9162bd5b-4ed9-4da3-b376-05204580ba3f"/>
+    <ds:schemaRef ds:uri="c0fa2617-96bd-425d-8578-e93563fe37c5"/>
+    <ds:schemaRef ds:uri="http://purl.org/dc/elements/1.1/"/>
+    <ds:schemaRef ds:uri="http://purl.org/dc/terms/"/>
+    <ds:schemaRef ds:uri="http://schemas.microsoft.com/internal/obd"/>
+    <ds:schemaRef ds:uri="http://schemas.microsoft.com/office/2006/documentManagement/types"/>
+    <ds:schemaRef ds:uri="http://schemas.microsoft.com/office/2006/metadata/contentType"/>
+    <ds:schemaRef ds:uri="http://schemas.microsoft.com/office/2006/metadata/properties"/>
+    <ds:schemaRef ds:uri="http://schemas.microsoft.com/office/2006/metadata/properties/metaAttributes"/>
+    <ds:schemaRef ds:uri="http://schemas.microsoft.com/office/infopath/2007/PartnerControls"/>
+    <ds:schemaRef ds:uri="http://schemas.openxmlformats.org/package/2006/metadata/core-properties"/>
+    <ds:schemaRef ds:uri="http://www.w3.org/2001/XMLSchema"/>
   </ds:schemaRefs>
 </ds:datastoreItem>
 </file>
@@ -7600,20 +7624,9 @@
 </file>
 
 <file path=customXml/itemProps3.xml><?xml version="1.0" encoding="utf-8"?>
-<ds:datastoreItem xmlns:ds="http://schemas.openxmlformats.org/officeDocument/2006/customXml" ds:itemID="{6E816721-11E4-4989-8472-AB5A7EC20404}">
+<ds:datastoreItem xmlns:ds="http://schemas.openxmlformats.org/officeDocument/2006/customXml" ds:itemID="{927BD4C1-B6B1-4715-ABF9-E660A51A4EA0}">
   <ds:schemaRefs>
-    <ds:schemaRef ds:uri="9162bd5b-4ed9-4da3-b376-05204580ba3f"/>
-    <ds:schemaRef ds:uri="c0fa2617-96bd-425d-8578-e93563fe37c5"/>
-    <ds:schemaRef ds:uri="http://purl.org/dc/elements/1.1/"/>
-    <ds:schemaRef ds:uri="http://purl.org/dc/terms/"/>
-    <ds:schemaRef ds:uri="http://schemas.microsoft.com/internal/obd"/>
-    <ds:schemaRef ds:uri="http://schemas.microsoft.com/office/2006/documentManagement/types"/>
-    <ds:schemaRef ds:uri="http://schemas.microsoft.com/office/2006/metadata/contentType"/>
-    <ds:schemaRef ds:uri="http://schemas.microsoft.com/office/2006/metadata/properties"/>
-    <ds:schemaRef ds:uri="http://schemas.microsoft.com/office/2006/metadata/properties/metaAttributes"/>
-    <ds:schemaRef ds:uri="http://schemas.microsoft.com/office/infopath/2007/PartnerControls"/>
-    <ds:schemaRef ds:uri="http://schemas.openxmlformats.org/package/2006/metadata/core-properties"/>
-    <ds:schemaRef ds:uri="http://www.w3.org/2001/XMLSchema"/>
+    <ds:schemaRef ds:uri="http://schemas.microsoft.com/sharepoint/v3/contenttype/forms"/>
   </ds:schemaRefs>
 </ds:datastoreItem>
 </file>
--- a/RaghavProject39.pptx
+++ b/RaghavProject39.pptx
@@ -4294,7 +4294,7 @@
         <p:spPr>
           <a:xfrm>
             <a:off x="776749" y="4586365"/>
-            <a:ext cx="10320964" cy="1323439"/>
+            <a:ext cx="10320964" cy="1631216"/>
           </a:xfrm>
           <a:prstGeom prst="rect">
             <a:avLst/>
@@ -4314,7 +4314,7 @@
                     <a:lumMod val="75000"/>
                   </a:schemeClr>
                 </a:solidFill>
-                <a:latin typeface="Arial" pitchFamily="34" charset="0"/>
+                <a:latin typeface="Arial" panose="020B0604020202020204" pitchFamily="34" charset="0"/>
                 <a:cs typeface="Arial" pitchFamily="34" charset="0"/>
               </a:rPr>
               <a:t>Presented By:</a:t>
@@ -4328,8 +4328,8 @@
                     <a:lumMod val="75000"/>
                   </a:schemeClr>
                 </a:solidFill>
-                <a:latin typeface="Arial"/>
-                <a:cs typeface="Arial"/>
+                <a:latin typeface="Arial" panose="020B0604020202020204" pitchFamily="34" charset="0"/>
+                <a:cs typeface="Arial" pitchFamily="34" charset="0"/>
               </a:rPr>
               <a:t>Raghav Joshi</a:t>
             </a:r>
@@ -4342,10 +4342,10 @@
                     <a:lumMod val="75000"/>
                   </a:schemeClr>
                 </a:solidFill>
-                <a:latin typeface="Arial"/>
-                <a:cs typeface="Arial"/>
+                <a:latin typeface="Arial" panose="020B0604020202020204" pitchFamily="34" charset="0"/>
+                <a:cs typeface="Arial" pitchFamily="34" charset="0"/>
               </a:rPr>
-              <a:t>JIMS Engineering Management Technical Campus</a:t>
+              <a:t>Collage: JIMS Engineering Management Technical Campus</a:t>
             </a:r>
           </a:p>
           <a:p>
@@ -4356,11 +4356,34 @@
                     <a:lumMod val="75000"/>
                   </a:schemeClr>
                 </a:solidFill>
-                <a:latin typeface="Arial"/>
-                <a:cs typeface="Arial"/>
+                <a:latin typeface="Arial" panose="020B0604020202020204" pitchFamily="34" charset="0"/>
+                <a:cs typeface="Arial" pitchFamily="34" charset="0"/>
               </a:rPr>
-              <a:t>Computer Science Engineering</a:t>
-            </a:r>
+              <a:t>Branch: Computer Science Engineering</a:t>
+            </a:r>
+          </a:p>
+          <a:p>
+            <a:r>
+              <a:rPr lang="en-IN" sz="2000" b="1" dirty="0">
+                <a:solidFill>
+                  <a:schemeClr val="accent1">
+                    <a:lumMod val="75000"/>
+                  </a:schemeClr>
+                </a:solidFill>
+                <a:latin typeface="Arial" panose="020B0604020202020204" pitchFamily="34" charset="0"/>
+                <a:cs typeface="Arial" panose="020B0604020202020204" pitchFamily="34" charset="0"/>
+              </a:rPr>
+              <a:t>AICTE Student ID: STU68427b55333691749187413</a:t>
+            </a:r>
+            <a:endParaRPr lang="en-US" sz="2000" b="1" dirty="0">
+              <a:solidFill>
+                <a:schemeClr val="accent1">
+                  <a:lumMod val="75000"/>
+                </a:schemeClr>
+              </a:solidFill>
+              <a:latin typeface="Arial" panose="020B0604020202020204" pitchFamily="34" charset="0"/>
+              <a:cs typeface="Arial" panose="020B0604020202020204" pitchFamily="34" charset="0"/>
+            </a:endParaRPr>
           </a:p>
         </p:txBody>
       </p:sp>
@@ -7323,6 +7346,24 @@
 </file>
 
 <file path=customXml/item1.xml><?xml version="1.0" encoding="utf-8"?>
+<?mso-contentType ?>
+<FormTemplates xmlns="http://schemas.microsoft.com/sharepoint/v3/contenttype/forms">
+  <Display>DocumentLibraryForm</Display>
+  <Edit>DocumentLibraryForm</Edit>
+  <New>DocumentLibraryForm</New>
+</FormTemplates>
+</file>
+
+<file path=customXml/item2.xml><?xml version="1.0" encoding="utf-8"?>
+<p:properties xmlns:p="http://schemas.microsoft.com/office/2006/metadata/properties" xmlns:xsi="http://www.w3.org/2001/XMLSchema-instance" xmlns:pc="http://schemas.microsoft.com/office/infopath/2007/PartnerControls">
+  <documentManagement>
+    <MediaServiceKeyPoints xmlns="9162bd5b-4ed9-4da3-b376-05204580ba3f" xsi:nil="true"/>
+    <_activity xmlns="9162bd5b-4ed9-4da3-b376-05204580ba3f" xsi:nil="true"/>
+  </documentManagement>
+</p:properties>
+</file>
+
+<file path=customXml/item3.xml><?xml version="1.0" encoding="utf-8"?>
 <ct:contentTypeSchema xmlns:ct="http://schemas.microsoft.com/office/2006/metadata/contentType" xmlns:ma="http://schemas.microsoft.com/office/2006/metadata/properties/metaAttributes" ct:_="" ma:_="" ma:contentTypeName="Document" ma:contentTypeID="0x0101000F1872188ABCFC48BECA6C87E8AC3285" ma:contentTypeVersion="17" ma:contentTypeDescription="Create a new document." ma:contentTypeScope="" ma:versionID="55a158675e089c6a85ab0f83b89e1a15">
   <xsd:schema xmlns:xsd="http://www.w3.org/2001/XMLSchema" xmlns:xs="http://www.w3.org/2001/XMLSchema" xmlns:p="http://schemas.microsoft.com/office/2006/metadata/properties" xmlns:ns3="9162bd5b-4ed9-4da3-b376-05204580ba3f" xmlns:ns4="c0fa2617-96bd-425d-8578-e93563fe37c5" targetNamespace="http://schemas.microsoft.com/office/2006/metadata/properties" ma:root="true" ma:fieldsID="b35f082308864fa161c4a0a9eca35eff" ns3:_="" ns4:_="">
     <xsd:import namespace="9162bd5b-4ed9-4da3-b376-05204580ba3f"/>
@@ -7569,39 +7610,10 @@
 </ct:contentTypeSchema>
 </file>
 
-<file path=customXml/item2.xml><?xml version="1.0" encoding="utf-8"?>
-<p:properties xmlns:p="http://schemas.microsoft.com/office/2006/metadata/properties" xmlns:xsi="http://www.w3.org/2001/XMLSchema-instance" xmlns:pc="http://schemas.microsoft.com/office/infopath/2007/PartnerControls">
-  <documentManagement>
-    <MediaServiceKeyPoints xmlns="9162bd5b-4ed9-4da3-b376-05204580ba3f" xsi:nil="true"/>
-    <_activity xmlns="9162bd5b-4ed9-4da3-b376-05204580ba3f" xsi:nil="true"/>
-  </documentManagement>
-</p:properties>
-</file>
-
-<file path=customXml/item3.xml><?xml version="1.0" encoding="utf-8"?>
-<?mso-contentType ?>
-<FormTemplates xmlns="http://schemas.microsoft.com/sharepoint/v3/contenttype/forms">
-  <Display>DocumentLibraryForm</Display>
-  <Edit>DocumentLibraryForm</Edit>
-  <New>DocumentLibraryForm</New>
-</FormTemplates>
-</file>
-
 <file path=customXml/itemProps1.xml><?xml version="1.0" encoding="utf-8"?>
-<ds:datastoreItem xmlns:ds="http://schemas.openxmlformats.org/officeDocument/2006/customXml" ds:itemID="{6E816721-11E4-4989-8472-AB5A7EC20404}">
+<ds:datastoreItem xmlns:ds="http://schemas.openxmlformats.org/officeDocument/2006/customXml" ds:itemID="{927BD4C1-B6B1-4715-ABF9-E660A51A4EA0}">
   <ds:schemaRefs>
-    <ds:schemaRef ds:uri="9162bd5b-4ed9-4da3-b376-05204580ba3f"/>
-    <ds:schemaRef ds:uri="c0fa2617-96bd-425d-8578-e93563fe37c5"/>
-    <ds:schemaRef ds:uri="http://purl.org/dc/elements/1.1/"/>
-    <ds:schemaRef ds:uri="http://purl.org/dc/terms/"/>
-    <ds:schemaRef ds:uri="http://schemas.microsoft.com/internal/obd"/>
-    <ds:schemaRef ds:uri="http://schemas.microsoft.com/office/2006/documentManagement/types"/>
-    <ds:schemaRef ds:uri="http://schemas.microsoft.com/office/2006/metadata/contentType"/>
-    <ds:schemaRef ds:uri="http://schemas.microsoft.com/office/2006/metadata/properties"/>
-    <ds:schemaRef ds:uri="http://schemas.microsoft.com/office/2006/metadata/properties/metaAttributes"/>
-    <ds:schemaRef ds:uri="http://schemas.microsoft.com/office/infopath/2007/PartnerControls"/>
-    <ds:schemaRef ds:uri="http://schemas.openxmlformats.org/package/2006/metadata/core-properties"/>
-    <ds:schemaRef ds:uri="http://www.w3.org/2001/XMLSchema"/>
+    <ds:schemaRef ds:uri="http://schemas.microsoft.com/sharepoint/v3/contenttype/forms"/>
   </ds:schemaRefs>
 </ds:datastoreItem>
 </file>
@@ -7624,9 +7636,20 @@
 </file>
 
 <file path=customXml/itemProps3.xml><?xml version="1.0" encoding="utf-8"?>
-<ds:datastoreItem xmlns:ds="http://schemas.openxmlformats.org/officeDocument/2006/customXml" ds:itemID="{927BD4C1-B6B1-4715-ABF9-E660A51A4EA0}">
+<ds:datastoreItem xmlns:ds="http://schemas.openxmlformats.org/officeDocument/2006/customXml" ds:itemID="{6E816721-11E4-4989-8472-AB5A7EC20404}">
   <ds:schemaRefs>
-    <ds:schemaRef ds:uri="http://schemas.microsoft.com/sharepoint/v3/contenttype/forms"/>
+    <ds:schemaRef ds:uri="9162bd5b-4ed9-4da3-b376-05204580ba3f"/>
+    <ds:schemaRef ds:uri="c0fa2617-96bd-425d-8578-e93563fe37c5"/>
+    <ds:schemaRef ds:uri="http://purl.org/dc/elements/1.1/"/>
+    <ds:schemaRef ds:uri="http://purl.org/dc/terms/"/>
+    <ds:schemaRef ds:uri="http://schemas.microsoft.com/internal/obd"/>
+    <ds:schemaRef ds:uri="http://schemas.microsoft.com/office/2006/documentManagement/types"/>
+    <ds:schemaRef ds:uri="http://schemas.microsoft.com/office/2006/metadata/contentType"/>
+    <ds:schemaRef ds:uri="http://schemas.microsoft.com/office/2006/metadata/properties"/>
+    <ds:schemaRef ds:uri="http://schemas.microsoft.com/office/2006/metadata/properties/metaAttributes"/>
+    <ds:schemaRef ds:uri="http://schemas.microsoft.com/office/infopath/2007/PartnerControls"/>
+    <ds:schemaRef ds:uri="http://schemas.openxmlformats.org/package/2006/metadata/core-properties"/>
+    <ds:schemaRef ds:uri="http://www.w3.org/2001/XMLSchema"/>
   </ds:schemaRefs>
 </ds:datastoreItem>
 </file>
--- a/RaghavProject39.pptx
+++ b/RaghavProject39.pptx
@@ -7346,24 +7346,6 @@
 </file>
 
 <file path=customXml/item1.xml><?xml version="1.0" encoding="utf-8"?>
-<?mso-contentType ?>
-<FormTemplates xmlns="http://schemas.microsoft.com/sharepoint/v3/contenttype/forms">
-  <Display>DocumentLibraryForm</Display>
-  <Edit>DocumentLibraryForm</Edit>
-  <New>DocumentLibraryForm</New>
-</FormTemplates>
-</file>
-
-<file path=customXml/item2.xml><?xml version="1.0" encoding="utf-8"?>
-<p:properties xmlns:p="http://schemas.microsoft.com/office/2006/metadata/properties" xmlns:xsi="http://www.w3.org/2001/XMLSchema-instance" xmlns:pc="http://schemas.microsoft.com/office/infopath/2007/PartnerControls">
-  <documentManagement>
-    <MediaServiceKeyPoints xmlns="9162bd5b-4ed9-4da3-b376-05204580ba3f" xsi:nil="true"/>
-    <_activity xmlns="9162bd5b-4ed9-4da3-b376-05204580ba3f" xsi:nil="true"/>
-  </documentManagement>
-</p:properties>
-</file>
-
-<file path=customXml/item3.xml><?xml version="1.0" encoding="utf-8"?>
 <ct:contentTypeSchema xmlns:ct="http://schemas.microsoft.com/office/2006/metadata/contentType" xmlns:ma="http://schemas.microsoft.com/office/2006/metadata/properties/metaAttributes" ct:_="" ma:_="" ma:contentTypeName="Document" ma:contentTypeID="0x0101000F1872188ABCFC48BECA6C87E8AC3285" ma:contentTypeVersion="17" ma:contentTypeDescription="Create a new document." ma:contentTypeScope="" ma:versionID="55a158675e089c6a85ab0f83b89e1a15">
   <xsd:schema xmlns:xsd="http://www.w3.org/2001/XMLSchema" xmlns:xs="http://www.w3.org/2001/XMLSchema" xmlns:p="http://schemas.microsoft.com/office/2006/metadata/properties" xmlns:ns3="9162bd5b-4ed9-4da3-b376-05204580ba3f" xmlns:ns4="c0fa2617-96bd-425d-8578-e93563fe37c5" targetNamespace="http://schemas.microsoft.com/office/2006/metadata/properties" ma:root="true" ma:fieldsID="b35f082308864fa161c4a0a9eca35eff" ns3:_="" ns4:_="">
     <xsd:import namespace="9162bd5b-4ed9-4da3-b376-05204580ba3f"/>
@@ -7610,32 +7592,25 @@
 </ct:contentTypeSchema>
 </file>
 
-<file path=customXml/itemProps1.xml><?xml version="1.0" encoding="utf-8"?>
-<ds:datastoreItem xmlns:ds="http://schemas.openxmlformats.org/officeDocument/2006/customXml" ds:itemID="{927BD4C1-B6B1-4715-ABF9-E660A51A4EA0}">
-  <ds:schemaRefs>
-    <ds:schemaRef ds:uri="http://schemas.microsoft.com/sharepoint/v3/contenttype/forms"/>
-  </ds:schemaRefs>
-</ds:datastoreItem>
+<file path=customXml/item2.xml><?xml version="1.0" encoding="utf-8"?>
+<p:properties xmlns:p="http://schemas.microsoft.com/office/2006/metadata/properties" xmlns:xsi="http://www.w3.org/2001/XMLSchema-instance" xmlns:pc="http://schemas.microsoft.com/office/infopath/2007/PartnerControls">
+  <documentManagement>
+    <MediaServiceKeyPoints xmlns="9162bd5b-4ed9-4da3-b376-05204580ba3f" xsi:nil="true"/>
+    <_activity xmlns="9162bd5b-4ed9-4da3-b376-05204580ba3f" xsi:nil="true"/>
+  </documentManagement>
+</p:properties>
 </file>
 
-<file path=customXml/itemProps2.xml><?xml version="1.0" encoding="utf-8"?>
-<ds:datastoreItem xmlns:ds="http://schemas.openxmlformats.org/officeDocument/2006/customXml" ds:itemID="{8D289AE2-D2AE-49D1-AFAC-3A79F6794255}">
-  <ds:schemaRefs>
-    <ds:schemaRef ds:uri="9162bd5b-4ed9-4da3-b376-05204580ba3f"/>
-    <ds:schemaRef ds:uri="c0fa2617-96bd-425d-8578-e93563fe37c5"/>
-    <ds:schemaRef ds:uri="http://purl.org/dc/dcmitype/"/>
-    <ds:schemaRef ds:uri="http://purl.org/dc/elements/1.1/"/>
-    <ds:schemaRef ds:uri="http://purl.org/dc/terms/"/>
-    <ds:schemaRef ds:uri="http://schemas.microsoft.com/office/2006/documentManagement/types"/>
-    <ds:schemaRef ds:uri="http://schemas.microsoft.com/office/2006/metadata/properties"/>
-    <ds:schemaRef ds:uri="http://schemas.microsoft.com/office/infopath/2007/PartnerControls"/>
-    <ds:schemaRef ds:uri="http://schemas.openxmlformats.org/package/2006/metadata/core-properties"/>
-    <ds:schemaRef ds:uri="http://www.w3.org/XML/1998/namespace"/>
-  </ds:schemaRefs>
-</ds:datastoreItem>
+<file path=customXml/item3.xml><?xml version="1.0" encoding="utf-8"?>
+<?mso-contentType ?>
+<FormTemplates xmlns="http://schemas.microsoft.com/sharepoint/v3/contenttype/forms">
+  <Display>DocumentLibraryForm</Display>
+  <Edit>DocumentLibraryForm</Edit>
+  <New>DocumentLibraryForm</New>
+</FormTemplates>
 </file>
 
-<file path=customXml/itemProps3.xml><?xml version="1.0" encoding="utf-8"?>
+<file path=customXml/itemProps1.xml><?xml version="1.0" encoding="utf-8"?>
 <ds:datastoreItem xmlns:ds="http://schemas.openxmlformats.org/officeDocument/2006/customXml" ds:itemID="{6E816721-11E4-4989-8472-AB5A7EC20404}">
   <ds:schemaRefs>
     <ds:schemaRef ds:uri="9162bd5b-4ed9-4da3-b376-05204580ba3f"/>
@@ -7652,4 +7627,29 @@
     <ds:schemaRef ds:uri="http://www.w3.org/2001/XMLSchema"/>
   </ds:schemaRefs>
 </ds:datastoreItem>
+</file>
+
+<file path=customXml/itemProps2.xml><?xml version="1.0" encoding="utf-8"?>
+<ds:datastoreItem xmlns:ds="http://schemas.openxmlformats.org/officeDocument/2006/customXml" ds:itemID="{8D289AE2-D2AE-49D1-AFAC-3A79F6794255}">
+  <ds:schemaRefs>
+    <ds:schemaRef ds:uri="http://purl.org/dc/dcmitype/"/>
+    <ds:schemaRef ds:uri="http://schemas.openxmlformats.org/package/2006/metadata/core-properties"/>
+    <ds:schemaRef ds:uri="http://purl.org/dc/terms/"/>
+    <ds:schemaRef ds:uri="http://schemas.microsoft.com/office/2006/documentManagement/types"/>
+    <ds:schemaRef ds:uri="9162bd5b-4ed9-4da3-b376-05204580ba3f"/>
+    <ds:schemaRef ds:uri="http://schemas.microsoft.com/office/2006/metadata/properties"/>
+    <ds:schemaRef ds:uri="http://purl.org/dc/elements/1.1/"/>
+    <ds:schemaRef ds:uri="c0fa2617-96bd-425d-8578-e93563fe37c5"/>
+    <ds:schemaRef ds:uri="http://schemas.microsoft.com/office/infopath/2007/PartnerControls"/>
+    <ds:schemaRef ds:uri="http://www.w3.org/XML/1998/namespace"/>
+  </ds:schemaRefs>
+</ds:datastoreItem>
+</file>
+
+<file path=customXml/itemProps3.xml><?xml version="1.0" encoding="utf-8"?>
+<ds:datastoreItem xmlns:ds="http://schemas.openxmlformats.org/officeDocument/2006/customXml" ds:itemID="{927BD4C1-B6B1-4715-ABF9-E660A51A4EA0}">
+  <ds:schemaRefs>
+    <ds:schemaRef ds:uri="http://schemas.microsoft.com/sharepoint/v3/contenttype/forms"/>
+  </ds:schemaRefs>
+</ds:datastoreItem>
 </file>